--- a/StegoImage/Курсовая Show.pptx
+++ b/StegoImage/Курсовая Show.pptx
@@ -116,6 +116,11 @@
       </a:defRPr>
     </a:lvl9pPr>
   </p:defaultTextStyle>
+  <p:extLst>
+    <p:ext uri="{EFAFB233-063F-42B5-8137-9DF3F51BA10A}">
+      <p15:sldGuideLst xmlns:p15="http://schemas.microsoft.com/office/powerpoint/2012/main"/>
+    </p:ext>
+  </p:extLst>
 </p:presentation>
 </file>
 
@@ -193,7 +198,7 @@
           </a:lstStyle>
           <a:p>
             <a:r>
-              <a:rPr lang="ru-RU" smtClean="0"/>
+              <a:rPr lang="ru-RU"/>
               <a:t>Образец заголовка</a:t>
             </a:r>
             <a:endParaRPr lang="en-US" dirty="0"/>
@@ -260,7 +265,7 @@
           </a:lstStyle>
           <a:p>
             <a:r>
-              <a:rPr lang="ru-RU" smtClean="0"/>
+              <a:rPr lang="ru-RU"/>
               <a:t>Образец подзаголовка</a:t>
             </a:r>
             <a:endParaRPr lang="en-US" dirty="0"/>
@@ -289,7 +294,7 @@
           <a:p>
             <a:fld id="{79886BA3-8C90-4EE1-B8F6-CCA7EA2A0197}" type="datetimeFigureOut">
               <a:rPr lang="ru-RU" smtClean="0"/>
-              <a:t>22.04.2021</a:t>
+              <a:t>01.04.2022</a:t>
             </a:fld>
             <a:endParaRPr lang="ru-RU"/>
           </a:p>
@@ -402,7 +407,7 @@
           </a:lstStyle>
           <a:p>
             <a:r>
-              <a:rPr lang="ru-RU" smtClean="0"/>
+              <a:rPr lang="ru-RU"/>
               <a:t>Образец заголовка</a:t>
             </a:r>
             <a:endParaRPr lang="en-US" dirty="0"/>
@@ -467,7 +472,7 @@
           </a:lstStyle>
           <a:p>
             <a:r>
-              <a:rPr lang="ru-RU" smtClean="0"/>
+              <a:rPr lang="ru-RU"/>
               <a:t>Вставка рисунка</a:t>
             </a:r>
             <a:endParaRPr lang="en-US" dirty="0"/>
@@ -533,7 +538,7 @@
           <a:p>
             <a:pPr lvl="0"/>
             <a:r>
-              <a:rPr lang="ru-RU" smtClean="0"/>
+              <a:rPr lang="ru-RU"/>
               <a:t>Образец текста</a:t>
             </a:r>
           </a:p>
@@ -556,7 +561,7 @@
           <a:p>
             <a:fld id="{79886BA3-8C90-4EE1-B8F6-CCA7EA2A0197}" type="datetimeFigureOut">
               <a:rPr lang="ru-RU" smtClean="0"/>
-              <a:t>22.04.2021</a:t>
+              <a:t>01.04.2022</a:t>
             </a:fld>
             <a:endParaRPr lang="ru-RU"/>
           </a:p>
@@ -689,7 +694,7 @@
           </a:lstStyle>
           <a:p>
             <a:r>
-              <a:rPr lang="ru-RU" smtClean="0"/>
+              <a:rPr lang="ru-RU"/>
               <a:t>Образец заголовка</a:t>
             </a:r>
             <a:endParaRPr lang="en-US" dirty="0"/>
@@ -755,7 +760,7 @@
           <a:p>
             <a:pPr lvl="0"/>
             <a:r>
-              <a:rPr lang="ru-RU" smtClean="0"/>
+              <a:rPr lang="ru-RU"/>
               <a:t>Образец текста</a:t>
             </a:r>
           </a:p>
@@ -787,7 +792,7 @@
           <a:p>
             <a:fld id="{79886BA3-8C90-4EE1-B8F6-CCA7EA2A0197}" type="datetimeFigureOut">
               <a:rPr lang="ru-RU" smtClean="0"/>
-              <a:t>22.04.2021</a:t>
+              <a:t>01.04.2022</a:t>
             </a:fld>
             <a:endParaRPr lang="ru-RU"/>
           </a:p>
@@ -930,7 +935,7 @@
           </a:lstStyle>
           <a:p>
             <a:r>
-              <a:rPr lang="ru-RU" smtClean="0"/>
+              <a:rPr lang="ru-RU"/>
               <a:t>Образец заголовка</a:t>
             </a:r>
             <a:endParaRPr lang="en-US" dirty="0"/>
@@ -998,7 +1003,7 @@
           <a:p>
             <a:pPr lvl="0"/>
             <a:r>
-              <a:rPr lang="ru-RU" smtClean="0"/>
+              <a:rPr lang="ru-RU"/>
               <a:t>Образец текста</a:t>
             </a:r>
           </a:p>
@@ -1065,7 +1070,7 @@
           <a:p>
             <a:pPr lvl="0"/>
             <a:r>
-              <a:rPr lang="ru-RU" smtClean="0"/>
+              <a:rPr lang="ru-RU"/>
               <a:t>Образец текста</a:t>
             </a:r>
           </a:p>
@@ -1097,7 +1102,7 @@
           <a:p>
             <a:fld id="{79886BA3-8C90-4EE1-B8F6-CCA7EA2A0197}" type="datetimeFigureOut">
               <a:rPr lang="ru-RU" smtClean="0"/>
-              <a:t>22.04.2021</a:t>
+              <a:t>01.04.2022</a:t>
             </a:fld>
             <a:endParaRPr lang="ru-RU"/>
           </a:p>
@@ -1472,7 +1477,7 @@
           </a:lstStyle>
           <a:p>
             <a:r>
-              <a:rPr lang="ru-RU" smtClean="0"/>
+              <a:rPr lang="ru-RU"/>
               <a:t>Образец заголовка</a:t>
             </a:r>
             <a:endParaRPr lang="en-US" dirty="0"/>
@@ -1538,7 +1543,7 @@
           <a:p>
             <a:pPr lvl="0"/>
             <a:r>
-              <a:rPr lang="ru-RU" smtClean="0"/>
+              <a:rPr lang="ru-RU"/>
               <a:t>Образец текста</a:t>
             </a:r>
           </a:p>
@@ -1570,7 +1575,7 @@
           <a:p>
             <a:fld id="{79886BA3-8C90-4EE1-B8F6-CCA7EA2A0197}" type="datetimeFigureOut">
               <a:rPr lang="ru-RU" smtClean="0"/>
-              <a:t>22.04.2021</a:t>
+              <a:t>01.04.2022</a:t>
             </a:fld>
             <a:endParaRPr lang="ru-RU"/>
           </a:p>
@@ -1679,7 +1684,7 @@
           <a:lstStyle/>
           <a:p>
             <a:r>
-              <a:rPr lang="ru-RU" smtClean="0"/>
+              <a:rPr lang="ru-RU"/>
               <a:t>Образец заголовка</a:t>
             </a:r>
             <a:endParaRPr lang="en-US" dirty="0"/>
@@ -1751,7 +1756,7 @@
           <a:p>
             <a:pPr lvl="0"/>
             <a:r>
-              <a:rPr lang="ru-RU" smtClean="0"/>
+              <a:rPr lang="ru-RU"/>
               <a:t>Образец текста</a:t>
             </a:r>
           </a:p>
@@ -1818,7 +1823,7 @@
           <a:p>
             <a:pPr lvl="0"/>
             <a:r>
-              <a:rPr lang="ru-RU" smtClean="0"/>
+              <a:rPr lang="ru-RU"/>
               <a:t>Образец текста</a:t>
             </a:r>
           </a:p>
@@ -1889,7 +1894,7 @@
           <a:p>
             <a:pPr lvl="0"/>
             <a:r>
-              <a:rPr lang="ru-RU" smtClean="0"/>
+              <a:rPr lang="ru-RU"/>
               <a:t>Образец текста</a:t>
             </a:r>
           </a:p>
@@ -1956,7 +1961,7 @@
           <a:p>
             <a:pPr lvl="0"/>
             <a:r>
-              <a:rPr lang="ru-RU" smtClean="0"/>
+              <a:rPr lang="ru-RU"/>
               <a:t>Образец текста</a:t>
             </a:r>
           </a:p>
@@ -2027,7 +2032,7 @@
           <a:p>
             <a:pPr lvl="0"/>
             <a:r>
-              <a:rPr lang="ru-RU" smtClean="0"/>
+              <a:rPr lang="ru-RU"/>
               <a:t>Образец текста</a:t>
             </a:r>
           </a:p>
@@ -2094,7 +2099,7 @@
           <a:p>
             <a:pPr lvl="0"/>
             <a:r>
-              <a:rPr lang="ru-RU" smtClean="0"/>
+              <a:rPr lang="ru-RU"/>
               <a:t>Образец текста</a:t>
             </a:r>
           </a:p>
@@ -2117,7 +2122,7 @@
           <a:p>
             <a:fld id="{79886BA3-8C90-4EE1-B8F6-CCA7EA2A0197}" type="datetimeFigureOut">
               <a:rPr lang="ru-RU" smtClean="0"/>
-              <a:t>22.04.2021</a:t>
+              <a:t>01.04.2022</a:t>
             </a:fld>
             <a:endParaRPr lang="ru-RU"/>
           </a:p>
@@ -2216,7 +2221,7 @@
           <a:lstStyle/>
           <a:p>
             <a:r>
-              <a:rPr lang="ru-RU" smtClean="0"/>
+              <a:rPr lang="ru-RU"/>
               <a:t>Образец заголовка</a:t>
             </a:r>
             <a:endParaRPr lang="en-US" dirty="0"/>
@@ -2288,7 +2293,7 @@
           <a:p>
             <a:pPr lvl="0"/>
             <a:r>
-              <a:rPr lang="ru-RU" smtClean="0"/>
+              <a:rPr lang="ru-RU"/>
               <a:t>Образец текста</a:t>
             </a:r>
           </a:p>
@@ -2366,7 +2371,7 @@
           </a:lstStyle>
           <a:p>
             <a:r>
-              <a:rPr lang="ru-RU" smtClean="0"/>
+              <a:rPr lang="ru-RU"/>
               <a:t>Вставка рисунка</a:t>
             </a:r>
             <a:endParaRPr lang="en-US" dirty="0"/>
@@ -2434,7 +2439,7 @@
           <a:p>
             <a:pPr lvl="0"/>
             <a:r>
-              <a:rPr lang="ru-RU" smtClean="0"/>
+              <a:rPr lang="ru-RU"/>
               <a:t>Образец текста</a:t>
             </a:r>
           </a:p>
@@ -2505,7 +2510,7 @@
           <a:p>
             <a:pPr lvl="0"/>
             <a:r>
-              <a:rPr lang="ru-RU" smtClean="0"/>
+              <a:rPr lang="ru-RU"/>
               <a:t>Образец текста</a:t>
             </a:r>
           </a:p>
@@ -2583,7 +2588,7 @@
           </a:lstStyle>
           <a:p>
             <a:r>
-              <a:rPr lang="ru-RU" smtClean="0"/>
+              <a:rPr lang="ru-RU"/>
               <a:t>Вставка рисунка</a:t>
             </a:r>
             <a:endParaRPr lang="en-US" dirty="0"/>
@@ -2651,7 +2656,7 @@
           <a:p>
             <a:pPr lvl="0"/>
             <a:r>
-              <a:rPr lang="ru-RU" smtClean="0"/>
+              <a:rPr lang="ru-RU"/>
               <a:t>Образец текста</a:t>
             </a:r>
           </a:p>
@@ -2722,7 +2727,7 @@
           <a:p>
             <a:pPr lvl="0"/>
             <a:r>
-              <a:rPr lang="ru-RU" smtClean="0"/>
+              <a:rPr lang="ru-RU"/>
               <a:t>Образец текста</a:t>
             </a:r>
           </a:p>
@@ -2800,7 +2805,7 @@
           </a:lstStyle>
           <a:p>
             <a:r>
-              <a:rPr lang="ru-RU" smtClean="0"/>
+              <a:rPr lang="ru-RU"/>
               <a:t>Вставка рисунка</a:t>
             </a:r>
             <a:endParaRPr lang="en-US" dirty="0"/>
@@ -2868,7 +2873,7 @@
           <a:p>
             <a:pPr lvl="0"/>
             <a:r>
-              <a:rPr lang="ru-RU" smtClean="0"/>
+              <a:rPr lang="ru-RU"/>
               <a:t>Образец текста</a:t>
             </a:r>
           </a:p>
@@ -2891,7 +2896,7 @@
           <a:p>
             <a:fld id="{79886BA3-8C90-4EE1-B8F6-CCA7EA2A0197}" type="datetimeFigureOut">
               <a:rPr lang="ru-RU" smtClean="0"/>
-              <a:t>22.04.2021</a:t>
+              <a:t>01.04.2022</a:t>
             </a:fld>
             <a:endParaRPr lang="ru-RU"/>
           </a:p>
@@ -2985,7 +2990,7 @@
           <a:lstStyle/>
           <a:p>
             <a:r>
-              <a:rPr lang="ru-RU" smtClean="0"/>
+              <a:rPr lang="ru-RU"/>
               <a:t>Образец заголовка</a:t>
             </a:r>
             <a:endParaRPr lang="en-US" dirty="0"/>
@@ -3014,35 +3019,35 @@
           <a:p>
             <a:pPr lvl="0"/>
             <a:r>
-              <a:rPr lang="ru-RU" smtClean="0"/>
+              <a:rPr lang="ru-RU"/>
               <a:t>Образец текста</a:t>
             </a:r>
           </a:p>
           <a:p>
             <a:pPr lvl="1"/>
             <a:r>
-              <a:rPr lang="ru-RU" smtClean="0"/>
+              <a:rPr lang="ru-RU"/>
               <a:t>Второй уровень</a:t>
             </a:r>
           </a:p>
           <a:p>
             <a:pPr lvl="2"/>
             <a:r>
-              <a:rPr lang="ru-RU" smtClean="0"/>
+              <a:rPr lang="ru-RU"/>
               <a:t>Третий уровень</a:t>
             </a:r>
           </a:p>
           <a:p>
             <a:pPr lvl="3"/>
             <a:r>
-              <a:rPr lang="ru-RU" smtClean="0"/>
+              <a:rPr lang="ru-RU"/>
               <a:t>Четвертый уровень</a:t>
             </a:r>
           </a:p>
           <a:p>
             <a:pPr lvl="4"/>
             <a:r>
-              <a:rPr lang="ru-RU" smtClean="0"/>
+              <a:rPr lang="ru-RU"/>
               <a:t>Пятый уровень</a:t>
             </a:r>
             <a:endParaRPr lang="en-US" dirty="0"/>
@@ -3066,7 +3071,7 @@
           <a:p>
             <a:fld id="{79886BA3-8C90-4EE1-B8F6-CCA7EA2A0197}" type="datetimeFigureOut">
               <a:rPr lang="ru-RU" smtClean="0"/>
-              <a:t>22.04.2021</a:t>
+              <a:t>01.04.2022</a:t>
             </a:fld>
             <a:endParaRPr lang="ru-RU"/>
           </a:p>
@@ -3199,7 +3204,7 @@
           </a:lstStyle>
           <a:p>
             <a:r>
-              <a:rPr lang="ru-RU" smtClean="0"/>
+              <a:rPr lang="ru-RU"/>
               <a:t>Образец заголовка</a:t>
             </a:r>
             <a:endParaRPr lang="en-US" dirty="0"/>
@@ -3228,35 +3233,35 @@
           <a:p>
             <a:pPr lvl="0"/>
             <a:r>
-              <a:rPr lang="ru-RU" smtClean="0"/>
+              <a:rPr lang="ru-RU"/>
               <a:t>Образец текста</a:t>
             </a:r>
           </a:p>
           <a:p>
             <a:pPr lvl="1"/>
             <a:r>
-              <a:rPr lang="ru-RU" smtClean="0"/>
+              <a:rPr lang="ru-RU"/>
               <a:t>Второй уровень</a:t>
             </a:r>
           </a:p>
           <a:p>
             <a:pPr lvl="2"/>
             <a:r>
-              <a:rPr lang="ru-RU" smtClean="0"/>
+              <a:rPr lang="ru-RU"/>
               <a:t>Третий уровень</a:t>
             </a:r>
           </a:p>
           <a:p>
             <a:pPr lvl="3"/>
             <a:r>
-              <a:rPr lang="ru-RU" smtClean="0"/>
+              <a:rPr lang="ru-RU"/>
               <a:t>Четвертый уровень</a:t>
             </a:r>
           </a:p>
           <a:p>
             <a:pPr lvl="4"/>
             <a:r>
-              <a:rPr lang="ru-RU" smtClean="0"/>
+              <a:rPr lang="ru-RU"/>
               <a:t>Пятый уровень</a:t>
             </a:r>
             <a:endParaRPr lang="en-US" dirty="0"/>
@@ -3289,7 +3294,7 @@
           <a:p>
             <a:fld id="{79886BA3-8C90-4EE1-B8F6-CCA7EA2A0197}" type="datetimeFigureOut">
               <a:rPr lang="ru-RU" smtClean="0"/>
-              <a:t>22.04.2021</a:t>
+              <a:t>01.04.2022</a:t>
             </a:fld>
             <a:endParaRPr lang="ru-RU"/>
           </a:p>
@@ -3393,7 +3398,7 @@
           <a:lstStyle/>
           <a:p>
             <a:r>
-              <a:rPr lang="ru-RU" smtClean="0"/>
+              <a:rPr lang="ru-RU"/>
               <a:t>Образец заголовка</a:t>
             </a:r>
             <a:endParaRPr lang="en-US" dirty="0"/>
@@ -3417,35 +3422,35 @@
           <a:p>
             <a:pPr lvl="0"/>
             <a:r>
-              <a:rPr lang="ru-RU" smtClean="0"/>
+              <a:rPr lang="ru-RU"/>
               <a:t>Образец текста</a:t>
             </a:r>
           </a:p>
           <a:p>
             <a:pPr lvl="1"/>
             <a:r>
-              <a:rPr lang="ru-RU" smtClean="0"/>
+              <a:rPr lang="ru-RU"/>
               <a:t>Второй уровень</a:t>
             </a:r>
           </a:p>
           <a:p>
             <a:pPr lvl="2"/>
             <a:r>
-              <a:rPr lang="ru-RU" smtClean="0"/>
+              <a:rPr lang="ru-RU"/>
               <a:t>Третий уровень</a:t>
             </a:r>
           </a:p>
           <a:p>
             <a:pPr lvl="3"/>
             <a:r>
-              <a:rPr lang="ru-RU" smtClean="0"/>
+              <a:rPr lang="ru-RU"/>
               <a:t>Четвертый уровень</a:t>
             </a:r>
           </a:p>
           <a:p>
             <a:pPr lvl="4"/>
             <a:r>
-              <a:rPr lang="ru-RU" smtClean="0"/>
+              <a:rPr lang="ru-RU"/>
               <a:t>Пятый уровень</a:t>
             </a:r>
             <a:endParaRPr lang="en-US" dirty="0"/>
@@ -3469,7 +3474,7 @@
           <a:p>
             <a:fld id="{79886BA3-8C90-4EE1-B8F6-CCA7EA2A0197}" type="datetimeFigureOut">
               <a:rPr lang="ru-RU" smtClean="0"/>
-              <a:t>22.04.2021</a:t>
+              <a:t>01.04.2022</a:t>
             </a:fld>
             <a:endParaRPr lang="ru-RU"/>
           </a:p>
@@ -3604,7 +3609,7 @@
           </a:lstStyle>
           <a:p>
             <a:r>
-              <a:rPr lang="ru-RU" smtClean="0"/>
+              <a:rPr lang="ru-RU"/>
               <a:t>Образец заголовка</a:t>
             </a:r>
             <a:endParaRPr lang="en-US" dirty="0"/>
@@ -3726,7 +3731,7 @@
           <a:p>
             <a:pPr lvl="0"/>
             <a:r>
-              <a:rPr lang="ru-RU" smtClean="0"/>
+              <a:rPr lang="ru-RU"/>
               <a:t>Образец текста</a:t>
             </a:r>
           </a:p>
@@ -3758,7 +3763,7 @@
           <a:p>
             <a:fld id="{79886BA3-8C90-4EE1-B8F6-CCA7EA2A0197}" type="datetimeFigureOut">
               <a:rPr lang="ru-RU" smtClean="0"/>
-              <a:t>22.04.2021</a:t>
+              <a:t>01.04.2022</a:t>
             </a:fld>
             <a:endParaRPr lang="ru-RU"/>
           </a:p>
@@ -3862,7 +3867,7 @@
           <a:lstStyle/>
           <a:p>
             <a:r>
-              <a:rPr lang="ru-RU" smtClean="0"/>
+              <a:rPr lang="ru-RU"/>
               <a:t>Образец заголовка</a:t>
             </a:r>
             <a:endParaRPr lang="en-US" dirty="0"/>
@@ -3891,35 +3896,35 @@
           <a:p>
             <a:pPr lvl="0"/>
             <a:r>
-              <a:rPr lang="ru-RU" smtClean="0"/>
+              <a:rPr lang="ru-RU"/>
               <a:t>Образец текста</a:t>
             </a:r>
           </a:p>
           <a:p>
             <a:pPr lvl="1"/>
             <a:r>
-              <a:rPr lang="ru-RU" smtClean="0"/>
+              <a:rPr lang="ru-RU"/>
               <a:t>Второй уровень</a:t>
             </a:r>
           </a:p>
           <a:p>
             <a:pPr lvl="2"/>
             <a:r>
-              <a:rPr lang="ru-RU" smtClean="0"/>
+              <a:rPr lang="ru-RU"/>
               <a:t>Третий уровень</a:t>
             </a:r>
           </a:p>
           <a:p>
             <a:pPr lvl="3"/>
             <a:r>
-              <a:rPr lang="ru-RU" smtClean="0"/>
+              <a:rPr lang="ru-RU"/>
               <a:t>Четвертый уровень</a:t>
             </a:r>
           </a:p>
           <a:p>
             <a:pPr lvl="4"/>
             <a:r>
-              <a:rPr lang="ru-RU" smtClean="0"/>
+              <a:rPr lang="ru-RU"/>
               <a:t>Пятый уровень</a:t>
             </a:r>
             <a:endParaRPr lang="en-US" dirty="0"/>
@@ -3948,35 +3953,35 @@
           <a:p>
             <a:pPr lvl="0"/>
             <a:r>
-              <a:rPr lang="ru-RU" smtClean="0"/>
+              <a:rPr lang="ru-RU"/>
               <a:t>Образец текста</a:t>
             </a:r>
           </a:p>
           <a:p>
             <a:pPr lvl="1"/>
             <a:r>
-              <a:rPr lang="ru-RU" smtClean="0"/>
+              <a:rPr lang="ru-RU"/>
               <a:t>Второй уровень</a:t>
             </a:r>
           </a:p>
           <a:p>
             <a:pPr lvl="2"/>
             <a:r>
-              <a:rPr lang="ru-RU" smtClean="0"/>
+              <a:rPr lang="ru-RU"/>
               <a:t>Третий уровень</a:t>
             </a:r>
           </a:p>
           <a:p>
             <a:pPr lvl="3"/>
             <a:r>
-              <a:rPr lang="ru-RU" smtClean="0"/>
+              <a:rPr lang="ru-RU"/>
               <a:t>Четвертый уровень</a:t>
             </a:r>
           </a:p>
           <a:p>
             <a:pPr lvl="4"/>
             <a:r>
-              <a:rPr lang="ru-RU" smtClean="0"/>
+              <a:rPr lang="ru-RU"/>
               <a:t>Пятый уровень</a:t>
             </a:r>
             <a:endParaRPr lang="en-US" dirty="0"/>
@@ -4000,7 +4005,7 @@
           <a:p>
             <a:fld id="{79886BA3-8C90-4EE1-B8F6-CCA7EA2A0197}" type="datetimeFigureOut">
               <a:rPr lang="ru-RU" smtClean="0"/>
-              <a:t>22.04.2021</a:t>
+              <a:t>01.04.2022</a:t>
             </a:fld>
             <a:endParaRPr lang="ru-RU"/>
           </a:p>
@@ -4099,7 +4104,7 @@
           <a:lstStyle/>
           <a:p>
             <a:r>
-              <a:rPr lang="ru-RU" smtClean="0"/>
+              <a:rPr lang="ru-RU"/>
               <a:t>Образец заголовка</a:t>
             </a:r>
             <a:endParaRPr lang="en-US" dirty="0"/>
@@ -4171,7 +4176,7 @@
           <a:p>
             <a:pPr lvl="0"/>
             <a:r>
-              <a:rPr lang="ru-RU" smtClean="0"/>
+              <a:rPr lang="ru-RU"/>
               <a:t>Образец текста</a:t>
             </a:r>
           </a:p>
@@ -4199,35 +4204,35 @@
           <a:p>
             <a:pPr lvl="0"/>
             <a:r>
-              <a:rPr lang="ru-RU" smtClean="0"/>
+              <a:rPr lang="ru-RU"/>
               <a:t>Образец текста</a:t>
             </a:r>
           </a:p>
           <a:p>
             <a:pPr lvl="1"/>
             <a:r>
-              <a:rPr lang="ru-RU" smtClean="0"/>
+              <a:rPr lang="ru-RU"/>
               <a:t>Второй уровень</a:t>
             </a:r>
           </a:p>
           <a:p>
             <a:pPr lvl="2"/>
             <a:r>
-              <a:rPr lang="ru-RU" smtClean="0"/>
+              <a:rPr lang="ru-RU"/>
               <a:t>Третий уровень</a:t>
             </a:r>
           </a:p>
           <a:p>
             <a:pPr lvl="3"/>
             <a:r>
-              <a:rPr lang="ru-RU" smtClean="0"/>
+              <a:rPr lang="ru-RU"/>
               <a:t>Четвертый уровень</a:t>
             </a:r>
           </a:p>
           <a:p>
             <a:pPr lvl="4"/>
             <a:r>
-              <a:rPr lang="ru-RU" smtClean="0"/>
+              <a:rPr lang="ru-RU"/>
               <a:t>Пятый уровень</a:t>
             </a:r>
             <a:endParaRPr lang="en-US" dirty="0"/>
@@ -4299,7 +4304,7 @@
           <a:p>
             <a:pPr lvl="0"/>
             <a:r>
-              <a:rPr lang="ru-RU" smtClean="0"/>
+              <a:rPr lang="ru-RU"/>
               <a:t>Образец текста</a:t>
             </a:r>
           </a:p>
@@ -4327,35 +4332,35 @@
           <a:p>
             <a:pPr lvl="0"/>
             <a:r>
-              <a:rPr lang="ru-RU" smtClean="0"/>
+              <a:rPr lang="ru-RU"/>
               <a:t>Образец текста</a:t>
             </a:r>
           </a:p>
           <a:p>
             <a:pPr lvl="1"/>
             <a:r>
-              <a:rPr lang="ru-RU" smtClean="0"/>
+              <a:rPr lang="ru-RU"/>
               <a:t>Второй уровень</a:t>
             </a:r>
           </a:p>
           <a:p>
             <a:pPr lvl="2"/>
             <a:r>
-              <a:rPr lang="ru-RU" smtClean="0"/>
+              <a:rPr lang="ru-RU"/>
               <a:t>Третий уровень</a:t>
             </a:r>
           </a:p>
           <a:p>
             <a:pPr lvl="3"/>
             <a:r>
-              <a:rPr lang="ru-RU" smtClean="0"/>
+              <a:rPr lang="ru-RU"/>
               <a:t>Четвертый уровень</a:t>
             </a:r>
           </a:p>
           <a:p>
             <a:pPr lvl="4"/>
             <a:r>
-              <a:rPr lang="ru-RU" smtClean="0"/>
+              <a:rPr lang="ru-RU"/>
               <a:t>Пятый уровень</a:t>
             </a:r>
             <a:endParaRPr lang="en-US" dirty="0"/>
@@ -4379,7 +4384,7 @@
           <a:p>
             <a:fld id="{79886BA3-8C90-4EE1-B8F6-CCA7EA2A0197}" type="datetimeFigureOut">
               <a:rPr lang="ru-RU" smtClean="0"/>
-              <a:t>22.04.2021</a:t>
+              <a:t>01.04.2022</a:t>
             </a:fld>
             <a:endParaRPr lang="ru-RU"/>
           </a:p>
@@ -4473,7 +4478,7 @@
           <a:lstStyle/>
           <a:p>
             <a:r>
-              <a:rPr lang="ru-RU" smtClean="0"/>
+              <a:rPr lang="ru-RU"/>
               <a:t>Образец заголовка</a:t>
             </a:r>
             <a:endParaRPr lang="en-US" dirty="0"/>
@@ -4497,7 +4502,7 @@
           <a:p>
             <a:fld id="{79886BA3-8C90-4EE1-B8F6-CCA7EA2A0197}" type="datetimeFigureOut">
               <a:rPr lang="ru-RU" smtClean="0"/>
-              <a:t>22.04.2021</a:t>
+              <a:t>01.04.2022</a:t>
             </a:fld>
             <a:endParaRPr lang="ru-RU"/>
           </a:p>
@@ -4592,7 +4597,7 @@
           <a:p>
             <a:fld id="{79886BA3-8C90-4EE1-B8F6-CCA7EA2A0197}" type="datetimeFigureOut">
               <a:rPr lang="ru-RU" smtClean="0"/>
-              <a:t>22.04.2021</a:t>
+              <a:t>01.04.2022</a:t>
             </a:fld>
             <a:endParaRPr lang="ru-RU"/>
           </a:p>
@@ -4695,7 +4700,7 @@
           </a:lstStyle>
           <a:p>
             <a:r>
-              <a:rPr lang="ru-RU" smtClean="0"/>
+              <a:rPr lang="ru-RU"/>
               <a:t>Образец заголовка</a:t>
             </a:r>
             <a:endParaRPr lang="en-US" dirty="0"/>
@@ -4724,35 +4729,35 @@
           <a:p>
             <a:pPr lvl="0"/>
             <a:r>
-              <a:rPr lang="ru-RU" smtClean="0"/>
+              <a:rPr lang="ru-RU"/>
               <a:t>Образец текста</a:t>
             </a:r>
           </a:p>
           <a:p>
             <a:pPr lvl="1"/>
             <a:r>
-              <a:rPr lang="ru-RU" smtClean="0"/>
+              <a:rPr lang="ru-RU"/>
               <a:t>Второй уровень</a:t>
             </a:r>
           </a:p>
           <a:p>
             <a:pPr lvl="2"/>
             <a:r>
-              <a:rPr lang="ru-RU" smtClean="0"/>
+              <a:rPr lang="ru-RU"/>
               <a:t>Третий уровень</a:t>
             </a:r>
           </a:p>
           <a:p>
             <a:pPr lvl="3"/>
             <a:r>
-              <a:rPr lang="ru-RU" smtClean="0"/>
+              <a:rPr lang="ru-RU"/>
               <a:t>Четвертый уровень</a:t>
             </a:r>
           </a:p>
           <a:p>
             <a:pPr lvl="4"/>
             <a:r>
-              <a:rPr lang="ru-RU" smtClean="0"/>
+              <a:rPr lang="ru-RU"/>
               <a:t>Пятый уровень</a:t>
             </a:r>
             <a:endParaRPr lang="en-US" dirty="0"/>
@@ -4818,7 +4823,7 @@
           <a:p>
             <a:pPr lvl="0"/>
             <a:r>
-              <a:rPr lang="ru-RU" smtClean="0"/>
+              <a:rPr lang="ru-RU"/>
               <a:t>Образец текста</a:t>
             </a:r>
           </a:p>
@@ -4841,7 +4846,7 @@
           <a:p>
             <a:fld id="{79886BA3-8C90-4EE1-B8F6-CCA7EA2A0197}" type="datetimeFigureOut">
               <a:rPr lang="ru-RU" smtClean="0"/>
-              <a:t>22.04.2021</a:t>
+              <a:t>01.04.2022</a:t>
             </a:fld>
             <a:endParaRPr lang="ru-RU"/>
           </a:p>
@@ -4944,7 +4949,7 @@
           </a:lstStyle>
           <a:p>
             <a:r>
-              <a:rPr lang="ru-RU" smtClean="0"/>
+              <a:rPr lang="ru-RU"/>
               <a:t>Образец заголовка</a:t>
             </a:r>
             <a:endParaRPr lang="en-US" dirty="0"/>
@@ -5009,7 +5014,7 @@
           </a:lstStyle>
           <a:p>
             <a:r>
-              <a:rPr lang="ru-RU" smtClean="0"/>
+              <a:rPr lang="ru-RU"/>
               <a:t>Вставка рисунка</a:t>
             </a:r>
             <a:endParaRPr lang="en-US" dirty="0"/>
@@ -5075,7 +5080,7 @@
           <a:p>
             <a:pPr lvl="0"/>
             <a:r>
-              <a:rPr lang="ru-RU" smtClean="0"/>
+              <a:rPr lang="ru-RU"/>
               <a:t>Образец текста</a:t>
             </a:r>
           </a:p>
@@ -5098,7 +5103,7 @@
           <a:p>
             <a:fld id="{79886BA3-8C90-4EE1-B8F6-CCA7EA2A0197}" type="datetimeFigureOut">
               <a:rPr lang="ru-RU" smtClean="0"/>
-              <a:t>22.04.2021</a:t>
+              <a:t>01.04.2022</a:t>
             </a:fld>
             <a:endParaRPr lang="ru-RU"/>
           </a:p>
@@ -5237,7 +5242,7 @@
           <a:lstStyle/>
           <a:p>
             <a:r>
-              <a:rPr lang="ru-RU" smtClean="0"/>
+              <a:rPr lang="ru-RU"/>
               <a:t>Образец заголовка</a:t>
             </a:r>
             <a:endParaRPr lang="en-US" dirty="0"/>
@@ -5271,35 +5276,35 @@
           <a:p>
             <a:pPr lvl="0"/>
             <a:r>
-              <a:rPr lang="ru-RU" smtClean="0"/>
+              <a:rPr lang="ru-RU"/>
               <a:t>Образец текста</a:t>
             </a:r>
           </a:p>
           <a:p>
             <a:pPr lvl="1"/>
             <a:r>
-              <a:rPr lang="ru-RU" smtClean="0"/>
+              <a:rPr lang="ru-RU"/>
               <a:t>Второй уровень</a:t>
             </a:r>
           </a:p>
           <a:p>
             <a:pPr lvl="2"/>
             <a:r>
-              <a:rPr lang="ru-RU" smtClean="0"/>
+              <a:rPr lang="ru-RU"/>
               <a:t>Третий уровень</a:t>
             </a:r>
           </a:p>
           <a:p>
             <a:pPr lvl="3"/>
             <a:r>
-              <a:rPr lang="ru-RU" smtClean="0"/>
+              <a:rPr lang="ru-RU"/>
               <a:t>Четвертый уровень</a:t>
             </a:r>
           </a:p>
           <a:p>
             <a:pPr lvl="4"/>
             <a:r>
-              <a:rPr lang="ru-RU" smtClean="0"/>
+              <a:rPr lang="ru-RU"/>
               <a:t>Пятый уровень</a:t>
             </a:r>
             <a:endParaRPr lang="en-US" dirty="0"/>
@@ -5341,7 +5346,7 @@
           <a:p>
             <a:fld id="{79886BA3-8C90-4EE1-B8F6-CCA7EA2A0197}" type="datetimeFigureOut">
               <a:rPr lang="ru-RU" smtClean="0"/>
-              <a:t>22.04.2021</a:t>
+              <a:t>01.04.2022</a:t>
             </a:fld>
             <a:endParaRPr lang="ru-RU"/>
           </a:p>
@@ -5766,7 +5771,7 @@
         <p:spPr>
           <a:xfrm>
             <a:off x="0" y="52254"/>
-            <a:ext cx="12192000" cy="1289071"/>
+            <a:ext cx="12192000" cy="498663"/>
           </a:xfrm>
           <a:prstGeom prst="rect">
             <a:avLst/>
@@ -5792,7 +5797,7 @@
               </a:spcAft>
             </a:pPr>
             <a:r>
-              <a:rPr lang="ru-RU" dirty="0" smtClean="0">
+              <a:rPr lang="ru-RU" sz="2000" b="1" dirty="0">
                 <a:ln w="0"/>
                 <a:effectLst>
                   <a:outerShdw blurRad="38100" dist="19050" dir="2700000" algn="tl" rotWithShape="0">
@@ -5805,86 +5810,8 @@
                 <a:ea typeface="Times New Roman" panose="02020603050405020304" pitchFamily="18" charset="0"/>
                 <a:cs typeface="Times New Roman" panose="02020603050405020304" pitchFamily="18" charset="0"/>
               </a:rPr>
-              <a:t>Федеральное государственное бюджетное образовательное учреждение высшего профессионального образования </a:t>
-            </a:r>
-          </a:p>
-          <a:p>
-            <a:pPr algn="ctr">
-              <a:lnSpc>
-                <a:spcPct val="150000"/>
-              </a:lnSpc>
-              <a:spcAft>
-                <a:spcPts val="0"/>
-              </a:spcAft>
-            </a:pPr>
-            <a:r>
-              <a:rPr lang="ru-RU" dirty="0" smtClean="0">
-                <a:ln w="0"/>
-                <a:effectLst>
-                  <a:outerShdw blurRad="38100" dist="19050" dir="2700000" algn="tl" rotWithShape="0">
-                    <a:schemeClr val="dk1">
-                      <a:alpha val="40000"/>
-                    </a:schemeClr>
-                  </a:outerShdw>
-                </a:effectLst>
-                <a:latin typeface="Times New Roman" panose="02020603050405020304" pitchFamily="18" charset="0"/>
-                <a:ea typeface="Times New Roman" panose="02020603050405020304" pitchFamily="18" charset="0"/>
-                <a:cs typeface="Times New Roman" panose="02020603050405020304" pitchFamily="18" charset="0"/>
-              </a:rPr>
-              <a:t>«Курганский государственный университет» (КГУ)</a:t>
-            </a:r>
-            <a:endParaRPr lang="ru-RU" sz="1600" dirty="0" smtClean="0">
-              <a:ln w="0"/>
-              <a:effectLst>
-                <a:outerShdw blurRad="38100" dist="19050" dir="2700000" algn="tl" rotWithShape="0">
-                  <a:schemeClr val="dk1">
-                    <a:alpha val="40000"/>
-                  </a:schemeClr>
-                </a:outerShdw>
-              </a:effectLst>
-              <a:latin typeface="Times New Roman" panose="02020603050405020304" pitchFamily="18" charset="0"/>
-              <a:ea typeface="Times New Roman" panose="02020603050405020304" pitchFamily="18" charset="0"/>
-              <a:cs typeface="Times New Roman" panose="02020603050405020304" pitchFamily="18" charset="0"/>
-            </a:endParaRPr>
-          </a:p>
-          <a:p>
-            <a:pPr algn="ctr">
-              <a:lnSpc>
-                <a:spcPct val="150000"/>
-              </a:lnSpc>
-              <a:spcAft>
-                <a:spcPts val="0"/>
-              </a:spcAft>
-            </a:pPr>
-            <a:r>
-              <a:rPr lang="ru-RU" dirty="0" smtClean="0">
-                <a:ln w="0"/>
-                <a:effectLst>
-                  <a:outerShdw blurRad="38100" dist="19050" dir="2700000" algn="tl" rotWithShape="0">
-                    <a:schemeClr val="dk1">
-                      <a:alpha val="40000"/>
-                    </a:schemeClr>
-                  </a:outerShdw>
-                </a:effectLst>
-                <a:latin typeface="Times New Roman" panose="02020603050405020304" pitchFamily="18" charset="0"/>
-                <a:ea typeface="Times New Roman" panose="02020603050405020304" pitchFamily="18" charset="0"/>
-                <a:cs typeface="Times New Roman" panose="02020603050405020304" pitchFamily="18" charset="0"/>
-              </a:rPr>
-              <a:t>Кафедра «Безопасность информационных и автоматизированных систем»</a:t>
-            </a:r>
-            <a:endParaRPr lang="ru-RU" sz="1600" dirty="0">
-              <a:ln w="0"/>
-              <a:effectLst>
-                <a:outerShdw blurRad="38100" dist="19050" dir="2700000" algn="tl" rotWithShape="0">
-                  <a:schemeClr val="dk1">
-                    <a:alpha val="40000"/>
-                  </a:schemeClr>
-                </a:outerShdw>
-              </a:effectLst>
-              <a:latin typeface="Times New Roman" panose="02020603050405020304" pitchFamily="18" charset="0"/>
-              <a:ea typeface="Times New Roman" panose="02020603050405020304" pitchFamily="18" charset="0"/>
-              <a:cs typeface="Times New Roman" panose="02020603050405020304" pitchFamily="18" charset="0"/>
-            </a:endParaRPr>
+              <a:t>ДАННЫЕ УДАЛЕННЫ</a:t>
+            </a:r>
           </a:p>
         </p:txBody>
       </p:sp>
@@ -5972,132 +5899,29 @@
           </a:bodyPr>
           <a:lstStyle/>
           <a:p>
-            <a:pPr algn="r"/>
-            <a:r>
-              <a:rPr lang="ru-RU" dirty="0">
-                <a:solidFill>
-                  <a:schemeClr val="tx2">
-                    <a:lumMod val="75000"/>
-                  </a:schemeClr>
-                </a:solidFill>
+            <a:pPr algn="ctr">
+              <a:lnSpc>
+                <a:spcPct val="150000"/>
+              </a:lnSpc>
+              <a:spcAft>
+                <a:spcPts val="0"/>
+              </a:spcAft>
+            </a:pPr>
+            <a:r>
+              <a:rPr lang="ru-RU" b="1" dirty="0">
+                <a:ln w="0"/>
+                <a:effectLst>
+                  <a:outerShdw blurRad="38100" dist="19050" dir="2700000" algn="tl" rotWithShape="0">
+                    <a:schemeClr val="dk1">
+                      <a:alpha val="40000"/>
+                    </a:schemeClr>
+                  </a:outerShdw>
+                </a:effectLst>
                 <a:latin typeface="Times New Roman" panose="02020603050405020304" pitchFamily="18" charset="0"/>
+                <a:ea typeface="Times New Roman" panose="02020603050405020304" pitchFamily="18" charset="0"/>
                 <a:cs typeface="Times New Roman" panose="02020603050405020304" pitchFamily="18" charset="0"/>
               </a:rPr>
-              <a:t>Дисциплина: Криптографические методы защиты информации</a:t>
-            </a:r>
-          </a:p>
-          <a:p>
-            <a:pPr algn="r"/>
-            <a:r>
-              <a:rPr lang="ru-RU" dirty="0">
-                <a:solidFill>
-                  <a:schemeClr val="tx2">
-                    <a:lumMod val="75000"/>
-                  </a:schemeClr>
-                </a:solidFill>
-                <a:latin typeface="Times New Roman" panose="02020603050405020304" pitchFamily="18" charset="0"/>
-                <a:cs typeface="Times New Roman" panose="02020603050405020304" pitchFamily="18" charset="0"/>
-              </a:rPr>
-              <a:t>Студент: ИТ–30918 </a:t>
-            </a:r>
-            <a:r>
-              <a:rPr lang="ru-RU" dirty="0" smtClean="0">
-                <a:solidFill>
-                  <a:schemeClr val="tx2">
-                    <a:lumMod val="75000"/>
-                  </a:schemeClr>
-                </a:solidFill>
-                <a:latin typeface="Times New Roman" panose="02020603050405020304" pitchFamily="18" charset="0"/>
-                <a:cs typeface="Times New Roman" panose="02020603050405020304" pitchFamily="18" charset="0"/>
-              </a:rPr>
-              <a:t>группы </a:t>
-            </a:r>
-            <a:r>
-              <a:rPr lang="ru-RU" dirty="0" err="1">
-                <a:solidFill>
-                  <a:schemeClr val="tx2">
-                    <a:lumMod val="75000"/>
-                  </a:schemeClr>
-                </a:solidFill>
-                <a:latin typeface="Times New Roman" panose="02020603050405020304" pitchFamily="18" charset="0"/>
-                <a:cs typeface="Times New Roman" panose="02020603050405020304" pitchFamily="18" charset="0"/>
-              </a:rPr>
-              <a:t>Баитов</a:t>
-            </a:r>
-            <a:r>
-              <a:rPr lang="ru-RU" dirty="0">
-                <a:solidFill>
-                  <a:schemeClr val="tx2">
-                    <a:lumMod val="75000"/>
-                  </a:schemeClr>
-                </a:solidFill>
-                <a:latin typeface="Times New Roman" panose="02020603050405020304" pitchFamily="18" charset="0"/>
-                <a:cs typeface="Times New Roman" panose="02020603050405020304" pitchFamily="18" charset="0"/>
-              </a:rPr>
-              <a:t> И. А</a:t>
-            </a:r>
-            <a:r>
-              <a:rPr lang="ru-RU" dirty="0" smtClean="0">
-                <a:solidFill>
-                  <a:schemeClr val="tx2">
-                    <a:lumMod val="75000"/>
-                  </a:schemeClr>
-                </a:solidFill>
-                <a:latin typeface="Times New Roman" panose="02020603050405020304" pitchFamily="18" charset="0"/>
-                <a:cs typeface="Times New Roman" panose="02020603050405020304" pitchFamily="18" charset="0"/>
-              </a:rPr>
-              <a:t>.</a:t>
-            </a:r>
-          </a:p>
-          <a:p>
-            <a:pPr algn="r"/>
-            <a:r>
-              <a:rPr lang="ru-RU" dirty="0" smtClean="0">
-                <a:solidFill>
-                  <a:schemeClr val="tx2">
-                    <a:lumMod val="75000"/>
-                  </a:schemeClr>
-                </a:solidFill>
-                <a:latin typeface="Times New Roman" panose="02020603050405020304" pitchFamily="18" charset="0"/>
-                <a:cs typeface="Times New Roman" panose="02020603050405020304" pitchFamily="18" charset="0"/>
-              </a:rPr>
-              <a:t>Руководитель</a:t>
-            </a:r>
-            <a:r>
-              <a:rPr lang="ru-RU" dirty="0">
-                <a:solidFill>
-                  <a:schemeClr val="tx2">
-                    <a:lumMod val="75000"/>
-                  </a:schemeClr>
-                </a:solidFill>
-                <a:latin typeface="Times New Roman" panose="02020603050405020304" pitchFamily="18" charset="0"/>
-                <a:cs typeface="Times New Roman" panose="02020603050405020304" pitchFamily="18" charset="0"/>
-              </a:rPr>
-              <a:t>: </a:t>
-            </a:r>
-            <a:r>
-              <a:rPr lang="ru-RU" dirty="0" err="1">
-                <a:solidFill>
-                  <a:schemeClr val="tx2">
-                    <a:lumMod val="75000"/>
-                  </a:schemeClr>
-                </a:solidFill>
-                <a:latin typeface="Times New Roman" panose="02020603050405020304" pitchFamily="18" charset="0"/>
-                <a:cs typeface="Times New Roman" panose="02020603050405020304" pitchFamily="18" charset="0"/>
-              </a:rPr>
-              <a:t>к.п.н</a:t>
-            </a:r>
-            <a:r>
-              <a:rPr lang="ru-RU" dirty="0">
-                <a:solidFill>
-                  <a:schemeClr val="tx2">
-                    <a:lumMod val="75000"/>
-                  </a:schemeClr>
-                </a:solidFill>
-                <a:latin typeface="Times New Roman" panose="02020603050405020304" pitchFamily="18" charset="0"/>
-                <a:cs typeface="Times New Roman" panose="02020603050405020304" pitchFamily="18" charset="0"/>
-              </a:rPr>
-              <a:t>, доцент Никифорова Т.А.</a:t>
+              <a:t>ДАННЫЕ УДАЛЕННЫ</a:t>
             </a:r>
           </a:p>
           <a:p>
@@ -6215,7 +6039,7 @@
           <a:lstStyle/>
           <a:p>
             <a:r>
-              <a:rPr lang="ru-RU" dirty="0" smtClean="0">
+              <a:rPr lang="ru-RU" dirty="0">
                 <a:latin typeface="Times New Roman" panose="02020603050405020304" pitchFamily="18" charset="0"/>
               </a:rPr>
               <a:t>Замена 2 битов на канал</a:t>
@@ -6324,7 +6148,7 @@
           <a:lstStyle/>
           <a:p>
             <a:r>
-              <a:rPr lang="ru-RU" dirty="0" smtClean="0">
+              <a:rPr lang="ru-RU" dirty="0">
                 <a:latin typeface="Times New Roman" panose="02020603050405020304" pitchFamily="18" charset="0"/>
               </a:rPr>
               <a:t>Замена 4 битов на канал</a:t>
@@ -6356,7 +6180,7 @@
           <a:p>
             <a:pPr algn="ctr"/>
             <a:r>
-              <a:rPr lang="ru-RU" dirty="0" smtClean="0">
+              <a:rPr lang="ru-RU" dirty="0">
                 <a:latin typeface="Times New Roman" panose="02020603050405020304" pitchFamily="18" charset="0"/>
               </a:rPr>
               <a:t>Замена 4 битов на канал. Фрагмент</a:t>
@@ -6392,7 +6216,7 @@
           <a:lstStyle/>
           <a:p>
             <a:r>
-              <a:rPr lang="ru-RU" sz="4000" dirty="0" smtClean="0">
+              <a:rPr lang="ru-RU" sz="4000" dirty="0">
                 <a:solidFill>
                   <a:schemeClr val="tx2">
                     <a:lumMod val="75000"/>
@@ -6404,7 +6228,7 @@
               <a:t>Тестирование и анализ программы </a:t>
             </a:r>
             <a:r>
-              <a:rPr lang="en-US" sz="4000" dirty="0" err="1" smtClean="0">
+              <a:rPr lang="en-US" sz="4000" dirty="0" err="1">
                 <a:solidFill>
                   <a:schemeClr val="tx2">
                     <a:lumMod val="75000"/>
@@ -6498,7 +6322,7 @@
           <a:lstStyle/>
           <a:p>
             <a:r>
-              <a:rPr lang="ru-RU" sz="4000" dirty="0" smtClean="0">
+              <a:rPr lang="ru-RU" sz="4000" dirty="0">
                 <a:solidFill>
                   <a:schemeClr val="tx2">
                     <a:lumMod val="75000"/>
@@ -6510,7 +6334,7 @@
               <a:t>Тестирование и анализ программы </a:t>
             </a:r>
             <a:r>
-              <a:rPr lang="en-US" sz="4000" dirty="0" err="1" smtClean="0">
+              <a:rPr lang="en-US" sz="4000" dirty="0" err="1">
                 <a:solidFill>
                   <a:schemeClr val="tx2">
                     <a:lumMod val="75000"/>
@@ -7211,7 +7035,7 @@
               <a:tabLst/>
             </a:pPr>
             <a:r>
-              <a:rPr kumimoji="0" lang="ru-RU" altLang="ru-RU" sz="1400" b="0" i="1" u="none" strike="noStrike" cap="none" normalizeH="0" baseline="0" smtClean="0">
+              <a:rPr kumimoji="0" lang="ru-RU" altLang="ru-RU" sz="1400" b="0" i="1" u="none" strike="noStrike" cap="none" normalizeH="0" baseline="0">
                 <a:ln>
                   <a:noFill/>
                 </a:ln>
@@ -7224,7 +7048,7 @@
               </a:rPr>
               <a:t>Рисунок 13 – Тест каналов</a:t>
             </a:r>
-            <a:endParaRPr kumimoji="0" lang="ru-RU" altLang="ru-RU" sz="1800" b="0" i="0" u="none" strike="noStrike" cap="none" normalizeH="0" baseline="0" smtClean="0">
+            <a:endParaRPr kumimoji="0" lang="ru-RU" altLang="ru-RU" sz="1800" b="0" i="0" u="none" strike="noStrike" cap="none" normalizeH="0" baseline="0">
               <a:ln>
                 <a:noFill/>
               </a:ln>
@@ -7417,22 +7241,15 @@
               <a:buNone/>
             </a:pPr>
             <a:r>
-              <a:rPr lang="ru-RU" dirty="0" smtClean="0"/>
+              <a:rPr lang="ru-RU" dirty="0"/>
               <a:t>	</a:t>
-            </a:r>
-            <a:r>
-              <a:rPr lang="ru-RU" sz="2400" dirty="0" smtClean="0">
-                <a:latin typeface="Times New Roman" panose="02020603050405020304" pitchFamily="18" charset="0"/>
-                <a:cs typeface="Times New Roman" panose="02020603050405020304" pitchFamily="18" charset="0"/>
-              </a:rPr>
-              <a:t>Целью </a:t>
             </a:r>
             <a:r>
               <a:rPr lang="ru-RU" sz="2400" dirty="0">
                 <a:latin typeface="Times New Roman" panose="02020603050405020304" pitchFamily="18" charset="0"/>
                 <a:cs typeface="Times New Roman" panose="02020603050405020304" pitchFamily="18" charset="0"/>
               </a:rPr>
-              <a:t>курсовой работой изучение стенографических методов сокрытия информации в графических. Исходя из цели курсовой можно выделить следующие задачи курсовой работы:</a:t>
+              <a:t>Целью курсовой работой изучение стенографических методов сокрытия информации в графических. Исходя из цели курсовой можно выделить следующие задачи курсовой работы:</a:t>
             </a:r>
           </a:p>
           <a:p>
@@ -7519,7 +7336,7 @@
           <a:p>
             <a:pPr algn="l"/>
             <a:r>
-              <a:rPr lang="ru-RU" sz="3600" dirty="0" smtClean="0">
+              <a:rPr lang="ru-RU" sz="3600" dirty="0">
                 <a:solidFill>
                   <a:schemeClr val="tx2">
                     <a:lumMod val="75000"/>
@@ -7531,7 +7348,7 @@
               <a:t>Цель</a:t>
             </a:r>
             <a:r>
-              <a:rPr lang="en-US" sz="3600" dirty="0" smtClean="0">
+              <a:rPr lang="en-US" sz="3600" dirty="0">
                 <a:solidFill>
                   <a:schemeClr val="tx2">
                     <a:lumMod val="75000"/>
@@ -7543,7 +7360,7 @@
               <a:t> </a:t>
             </a:r>
             <a:r>
-              <a:rPr lang="ru-RU" sz="3600" dirty="0" smtClean="0">
+              <a:rPr lang="ru-RU" sz="3600" dirty="0">
                 <a:solidFill>
                   <a:schemeClr val="tx2">
                     <a:lumMod val="75000"/>
@@ -7554,15 +7371,6 @@
               </a:rPr>
               <a:t>и задачи курсовой работы</a:t>
             </a:r>
-            <a:endParaRPr lang="ru-RU" sz="3600" dirty="0">
-              <a:solidFill>
-                <a:schemeClr val="tx2">
-                  <a:lumMod val="75000"/>
-                </a:schemeClr>
-              </a:solidFill>
-              <a:latin typeface="Times New Roman" panose="02020603050405020304" pitchFamily="18" charset="0"/>
-              <a:cs typeface="Times New Roman" panose="02020603050405020304" pitchFamily="18" charset="0"/>
-            </a:endParaRPr>
           </a:p>
         </p:txBody>
       </p:sp>
@@ -7641,18 +7449,11 @@
               </a:lnSpc>
             </a:pPr>
             <a:r>
-              <a:rPr lang="ru-RU" sz="2000" dirty="0" smtClean="0">
-                <a:latin typeface="Times New Roman" panose="02020603050405020304" pitchFamily="18" charset="0"/>
-                <a:ea typeface="Times New Roman" panose="02020603050405020304" pitchFamily="18" charset="0"/>
-              </a:rPr>
-              <a:t>Контейнер -  последовательность </a:t>
-            </a:r>
-            <a:r>
               <a:rPr lang="ru-RU" sz="2000" dirty="0">
                 <a:latin typeface="Times New Roman" panose="02020603050405020304" pitchFamily="18" charset="0"/>
                 <a:ea typeface="Times New Roman" panose="02020603050405020304" pitchFamily="18" charset="0"/>
               </a:rPr>
-              <a:t>бит, предназначенные для скрытия сообщения . Существует два вида контейнера: </a:t>
+              <a:t>Контейнер -  последовательность бит, предназначенные для скрытия сообщения . Существует два вида контейнера: </a:t>
             </a:r>
             <a:endParaRPr lang="ru-RU" dirty="0">
               <a:latin typeface="Times New Roman" panose="02020603050405020304" pitchFamily="18" charset="0"/>
@@ -7803,21 +7604,7 @@
                 <a:latin typeface="Times New Roman" panose="02020603050405020304" pitchFamily="18" charset="0"/>
                 <a:ea typeface="Times New Roman" panose="02020603050405020304" pitchFamily="18" charset="0"/>
               </a:rPr>
-              <a:t>Растровое изображение представляет собой набор упорядоченных </a:t>
-            </a:r>
-            <a:r>
-              <a:rPr lang="ru-RU" dirty="0" smtClean="0">
-                <a:latin typeface="Times New Roman" panose="02020603050405020304" pitchFamily="18" charset="0"/>
-                <a:ea typeface="Times New Roman" panose="02020603050405020304" pitchFamily="18" charset="0"/>
-              </a:rPr>
-              <a:t>пикселей </a:t>
-            </a:r>
-            <a:r>
-              <a:rPr lang="ru-RU" dirty="0">
-                <a:latin typeface="Times New Roman" panose="02020603050405020304" pitchFamily="18" charset="0"/>
-                <a:ea typeface="Times New Roman" panose="02020603050405020304" pitchFamily="18" charset="0"/>
-              </a:rPr>
-              <a:t>размером </a:t>
+              <a:t>Растровое изображение представляет собой набор упорядоченных пикселей размером </a:t>
             </a:r>
             <a:r>
               <a:rPr lang="en-US" dirty="0">
@@ -7873,21 +7660,7 @@
                 <a:latin typeface="Times New Roman" panose="02020603050405020304" pitchFamily="18" charset="0"/>
                 <a:ea typeface="Times New Roman" panose="02020603050405020304" pitchFamily="18" charset="0"/>
               </a:rPr>
-              <a:t> - длина). На рисунке </a:t>
-            </a:r>
-            <a:r>
-              <a:rPr lang="ru-RU" dirty="0" smtClean="0">
-                <a:latin typeface="Times New Roman" panose="02020603050405020304" pitchFamily="18" charset="0"/>
-                <a:ea typeface="Times New Roman" panose="02020603050405020304" pitchFamily="18" charset="0"/>
-              </a:rPr>
-              <a:t>предоставлен </a:t>
-            </a:r>
-            <a:r>
-              <a:rPr lang="ru-RU" dirty="0">
-                <a:latin typeface="Times New Roman" panose="02020603050405020304" pitchFamily="18" charset="0"/>
-                <a:ea typeface="Times New Roman" panose="02020603050405020304" pitchFamily="18" charset="0"/>
-              </a:rPr>
-              <a:t>пример самого изображения и его увеличенного фрагмента – пиксели изображения.</a:t>
+              <a:t> - длина). На рисунке предоставлен пример самого изображения и его увеличенного фрагмента – пиксели изображения.</a:t>
             </a:r>
             <a:endParaRPr lang="ru-RU" dirty="0"/>
           </a:p>
@@ -8076,23 +7849,12 @@
               <a:buChar char=""/>
             </a:pPr>
             <a:r>
-              <a:rPr lang="ru-RU" dirty="0" smtClean="0">
-                <a:latin typeface="Times New Roman" panose="02020603050405020304" pitchFamily="18" charset="0"/>
-                <a:ea typeface="Times New Roman" panose="02020603050405020304" pitchFamily="18" charset="0"/>
-              </a:rPr>
-              <a:t>Замена </a:t>
-            </a:r>
-            <a:r>
               <a:rPr lang="ru-RU" dirty="0">
                 <a:latin typeface="Times New Roman" panose="02020603050405020304" pitchFamily="18" charset="0"/>
                 <a:ea typeface="Times New Roman" panose="02020603050405020304" pitchFamily="18" charset="0"/>
               </a:rPr>
-              <a:t>цветовой палитры </a:t>
-            </a:r>
-            <a:endParaRPr lang="ru-RU" dirty="0" smtClean="0">
-              <a:latin typeface="Times New Roman" panose="02020603050405020304" pitchFamily="18" charset="0"/>
-              <a:ea typeface="Times New Roman" panose="02020603050405020304" pitchFamily="18" charset="0"/>
-            </a:endParaRPr>
+              <a:t>Замена цветовой палитры </a:t>
+            </a:r>
           </a:p>
           <a:p>
             <a:pPr marL="342900" marR="0" lvl="0" indent="-342900" algn="just">
@@ -8109,23 +7871,12 @@
               <a:buChar char=""/>
             </a:pPr>
             <a:r>
-              <a:rPr lang="ru-RU" dirty="0" smtClean="0">
-                <a:latin typeface="Times New Roman" panose="02020603050405020304" pitchFamily="18" charset="0"/>
-                <a:ea typeface="Times New Roman" panose="02020603050405020304" pitchFamily="18" charset="0"/>
-              </a:rPr>
-              <a:t>Сортировка </a:t>
-            </a:r>
-            <a:r>
               <a:rPr lang="ru-RU" dirty="0">
                 <a:latin typeface="Times New Roman" panose="02020603050405020304" pitchFamily="18" charset="0"/>
                 <a:ea typeface="Times New Roman" panose="02020603050405020304" pitchFamily="18" charset="0"/>
               </a:rPr>
-              <a:t>палитры </a:t>
-            </a:r>
-            <a:endParaRPr lang="ru-RU" dirty="0" smtClean="0">
-              <a:latin typeface="Times New Roman" panose="02020603050405020304" pitchFamily="18" charset="0"/>
-              <a:ea typeface="Times New Roman" panose="02020603050405020304" pitchFamily="18" charset="0"/>
-            </a:endParaRPr>
+              <a:t>Сортировка палитры </a:t>
+            </a:r>
           </a:p>
           <a:p>
             <a:pPr marL="342900" marR="0" lvl="0" indent="-342900" algn="just">
@@ -8142,21 +7893,14 @@
               <a:buChar char=""/>
             </a:pPr>
             <a:r>
-              <a:rPr lang="ru-RU" dirty="0" smtClean="0">
-                <a:latin typeface="Times New Roman" panose="02020603050405020304" pitchFamily="18" charset="0"/>
-                <a:ea typeface="Times New Roman" panose="02020603050405020304" pitchFamily="18" charset="0"/>
-              </a:rPr>
-              <a:t>Сокрытие </a:t>
-            </a:r>
-            <a:r>
               <a:rPr lang="ru-RU" dirty="0">
                 <a:latin typeface="Times New Roman" panose="02020603050405020304" pitchFamily="18" charset="0"/>
                 <a:ea typeface="Times New Roman" panose="02020603050405020304" pitchFamily="18" charset="0"/>
               </a:rPr>
-              <a:t>в </a:t>
-            </a:r>
-            <a:r>
-              <a:rPr lang="en-US" dirty="0" smtClean="0">
+              <a:t>Сокрытие в </a:t>
+            </a:r>
+            <a:r>
+              <a:rPr lang="en-US" dirty="0">
                 <a:latin typeface="Times New Roman" panose="02020603050405020304" pitchFamily="18" charset="0"/>
                 <a:ea typeface="Times New Roman" panose="02020603050405020304" pitchFamily="18" charset="0"/>
               </a:rPr>
@@ -8337,7 +8081,7 @@
           <a:lstStyle/>
           <a:p>
             <a:r>
-              <a:rPr lang="ru-RU" sz="4000" dirty="0" smtClean="0">
+              <a:rPr lang="ru-RU" sz="4000" dirty="0">
                 <a:solidFill>
                   <a:schemeClr val="tx2">
                     <a:lumMod val="75000"/>
@@ -8349,7 +8093,7 @@
               <a:t>Тестирование и анализ программы </a:t>
             </a:r>
             <a:r>
-              <a:rPr lang="en-US" sz="4000" dirty="0" err="1" smtClean="0">
+              <a:rPr lang="en-US" sz="4000" dirty="0" err="1">
                 <a:solidFill>
                   <a:schemeClr val="tx2">
                     <a:lumMod val="75000"/>
@@ -8535,14 +8279,7 @@
                 <a:latin typeface="Times New Roman" panose="02020603050405020304" pitchFamily="18" charset="0"/>
                 <a:ea typeface="Times New Roman" panose="02020603050405020304" pitchFamily="18" charset="0"/>
               </a:rPr>
-              <a:t>О</a:t>
-            </a:r>
-            <a:r>
-              <a:rPr lang="ru-RU" dirty="0" smtClean="0">
-                <a:latin typeface="Times New Roman" panose="02020603050405020304" pitchFamily="18" charset="0"/>
-                <a:ea typeface="Times New Roman" panose="02020603050405020304" pitchFamily="18" charset="0"/>
-              </a:rPr>
-              <a:t>ригинал</a:t>
+              <a:t>Оригинал</a:t>
             </a:r>
             <a:endParaRPr lang="ru-RU" dirty="0"/>
           </a:p>
@@ -8603,7 +8340,7 @@
           <a:lstStyle/>
           <a:p>
             <a:r>
-              <a:rPr lang="ru-RU" dirty="0" smtClean="0">
+              <a:rPr lang="ru-RU" dirty="0">
                 <a:latin typeface="Times New Roman" panose="02020603050405020304" pitchFamily="18" charset="0"/>
               </a:rPr>
               <a:t>Замена 1 бита на канал</a:t>
@@ -8634,7 +8371,7 @@
           <a:lstStyle/>
           <a:p>
             <a:r>
-              <a:rPr lang="ru-RU" dirty="0" smtClean="0">
+              <a:rPr lang="ru-RU" dirty="0">
                 <a:latin typeface="Times New Roman" panose="02020603050405020304" pitchFamily="18" charset="0"/>
               </a:rPr>
               <a:t>Замена 2 битов на канал</a:t>
@@ -8666,16 +8403,12 @@
           <a:p>
             <a:pPr algn="ctr"/>
             <a:r>
-              <a:rPr lang="ru-RU" dirty="0" smtClean="0">
+              <a:rPr lang="ru-RU" dirty="0">
                 <a:latin typeface="Times New Roman" panose="02020603050405020304" pitchFamily="18" charset="0"/>
                 <a:cs typeface="Times New Roman" panose="02020603050405020304" pitchFamily="18" charset="0"/>
               </a:rPr>
               <a:t>Ярко выраженные искажения отсутствуют</a:t>
             </a:r>
-            <a:endParaRPr lang="ru-RU" dirty="0">
-              <a:latin typeface="Times New Roman" panose="02020603050405020304" pitchFamily="18" charset="0"/>
-              <a:cs typeface="Times New Roman" panose="02020603050405020304" pitchFamily="18" charset="0"/>
-            </a:endParaRPr>
           </a:p>
         </p:txBody>
       </p:sp>
@@ -8776,14 +8509,7 @@
                 <a:latin typeface="Times New Roman" panose="02020603050405020304" pitchFamily="18" charset="0"/>
                 <a:ea typeface="Times New Roman" panose="02020603050405020304" pitchFamily="18" charset="0"/>
               </a:rPr>
-              <a:t>О</a:t>
-            </a:r>
-            <a:r>
-              <a:rPr lang="ru-RU" dirty="0" smtClean="0">
-                <a:latin typeface="Times New Roman" panose="02020603050405020304" pitchFamily="18" charset="0"/>
-                <a:ea typeface="Times New Roman" panose="02020603050405020304" pitchFamily="18" charset="0"/>
-              </a:rPr>
-              <a:t>ригинал</a:t>
+              <a:t>Оригинал</a:t>
             </a:r>
             <a:endParaRPr lang="ru-RU" dirty="0"/>
           </a:p>
@@ -8816,7 +8542,7 @@
           <a:lstStyle/>
           <a:p>
             <a:r>
-              <a:rPr lang="ru-RU" sz="4000" dirty="0" smtClean="0">
+              <a:rPr lang="ru-RU" sz="4000" dirty="0">
                 <a:solidFill>
                   <a:schemeClr val="tx2">
                     <a:lumMod val="75000"/>
@@ -8828,7 +8554,7 @@
               <a:t>Тестирование и анализ программы </a:t>
             </a:r>
             <a:r>
-              <a:rPr lang="en-US" sz="4000" dirty="0" err="1" smtClean="0">
+              <a:rPr lang="en-US" sz="4000" dirty="0" err="1">
                 <a:solidFill>
                   <a:schemeClr val="tx2">
                     <a:lumMod val="75000"/>
@@ -8865,7 +8591,7 @@
           <a:lstStyle/>
           <a:p>
             <a:r>
-              <a:rPr lang="ru-RU" dirty="0" smtClean="0">
+              <a:rPr lang="ru-RU" dirty="0">
                 <a:latin typeface="Times New Roman" panose="02020603050405020304" pitchFamily="18" charset="0"/>
               </a:rPr>
               <a:t>Замена 4 битов на канал</a:t>
@@ -8896,7 +8622,7 @@
           <a:lstStyle/>
           <a:p>
             <a:r>
-              <a:rPr lang="ru-RU" dirty="0" smtClean="0">
+              <a:rPr lang="ru-RU" dirty="0">
                 <a:latin typeface="Times New Roman" panose="02020603050405020304" pitchFamily="18" charset="0"/>
               </a:rPr>
               <a:t>Замена 8 битов на канал</a:t>
@@ -8928,16 +8654,12 @@
           <a:p>
             <a:pPr algn="ctr"/>
             <a:r>
-              <a:rPr lang="ru-RU" dirty="0" smtClean="0">
+              <a:rPr lang="ru-RU" dirty="0">
                 <a:latin typeface="Times New Roman" panose="02020603050405020304" pitchFamily="18" charset="0"/>
                 <a:cs typeface="Times New Roman" panose="02020603050405020304" pitchFamily="18" charset="0"/>
               </a:rPr>
               <a:t>Сильные искажения. Контейнер переполнен </a:t>
             </a:r>
-            <a:endParaRPr lang="ru-RU" dirty="0">
-              <a:latin typeface="Times New Roman" panose="02020603050405020304" pitchFamily="18" charset="0"/>
-              <a:cs typeface="Times New Roman" panose="02020603050405020304" pitchFamily="18" charset="0"/>
-            </a:endParaRPr>
           </a:p>
         </p:txBody>
       </p:sp>
@@ -9106,7 +8828,7 @@
           <a:lstStyle/>
           <a:p>
             <a:r>
-              <a:rPr lang="ru-RU" sz="4000" dirty="0" smtClean="0">
+              <a:rPr lang="ru-RU" sz="4000" dirty="0">
                 <a:solidFill>
                   <a:schemeClr val="tx2">
                     <a:lumMod val="75000"/>
@@ -9118,7 +8840,7 @@
               <a:t>Тестирование и анализ программы </a:t>
             </a:r>
             <a:r>
-              <a:rPr lang="en-US" sz="4000" dirty="0" err="1" smtClean="0">
+              <a:rPr lang="en-US" sz="4000" dirty="0" err="1">
                 <a:solidFill>
                   <a:schemeClr val="tx2">
                     <a:lumMod val="75000"/>
@@ -9159,14 +8881,7 @@
                 <a:latin typeface="Times New Roman" panose="02020603050405020304" pitchFamily="18" charset="0"/>
                 <a:ea typeface="Times New Roman" panose="02020603050405020304" pitchFamily="18" charset="0"/>
               </a:rPr>
-              <a:t>О</a:t>
-            </a:r>
-            <a:r>
-              <a:rPr lang="ru-RU" dirty="0" smtClean="0">
-                <a:latin typeface="Times New Roman" panose="02020603050405020304" pitchFamily="18" charset="0"/>
-                <a:ea typeface="Times New Roman" panose="02020603050405020304" pitchFamily="18" charset="0"/>
-              </a:rPr>
-              <a:t>ригинал</a:t>
+              <a:t>Оригинал</a:t>
             </a:r>
             <a:endParaRPr lang="ru-RU" dirty="0"/>
           </a:p>
@@ -9248,7 +8963,7 @@
           <a:lstStyle/>
           <a:p>
             <a:r>
-              <a:rPr lang="ru-RU" dirty="0" smtClean="0">
+              <a:rPr lang="ru-RU" dirty="0">
                 <a:latin typeface="Times New Roman" panose="02020603050405020304" pitchFamily="18" charset="0"/>
               </a:rPr>
               <a:t>Замена 1 бита на канал</a:t>
@@ -9387,7 +9102,7 @@
           <a:lstStyle/>
           <a:p>
             <a:r>
-              <a:rPr lang="ru-RU" dirty="0" smtClean="0">
+              <a:rPr lang="ru-RU" dirty="0">
                 <a:latin typeface="Times New Roman" panose="02020603050405020304" pitchFamily="18" charset="0"/>
               </a:rPr>
               <a:t>Замена 2 битов на канал</a:t>
